--- a/Competitive Programming.pptx
+++ b/Competitive Programming.pptx
@@ -849,7 +849,7 @@
           <a:p>
             <a:fld id="{3B2C538F-6F1B-4272-958C-05011A4A2A27}" type="datetimeFigureOut">
               <a:rPr lang="en-US" smtClean="0"/>
-              <a:t>28-Feb-24</a:t>
+              <a:t>11/29/2024</a:t>
             </a:fld>
             <a:endParaRPr lang="en-US"/>
           </a:p>
@@ -1100,7 +1100,7 @@
           <a:p>
             <a:fld id="{3B2C538F-6F1B-4272-958C-05011A4A2A27}" type="datetimeFigureOut">
               <a:rPr lang="en-US" smtClean="0"/>
-              <a:t>28-Feb-24</a:t>
+              <a:t>11/29/2024</a:t>
             </a:fld>
             <a:endParaRPr lang="en-US"/>
           </a:p>
@@ -1414,7 +1414,7 @@
           <a:p>
             <a:fld id="{3B2C538F-6F1B-4272-958C-05011A4A2A27}" type="datetimeFigureOut">
               <a:rPr lang="en-US" smtClean="0"/>
-              <a:t>28-Feb-24</a:t>
+              <a:t>11/29/2024</a:t>
             </a:fld>
             <a:endParaRPr lang="en-US"/>
           </a:p>
@@ -1755,7 +1755,7 @@
           <a:p>
             <a:fld id="{3B2C538F-6F1B-4272-958C-05011A4A2A27}" type="datetimeFigureOut">
               <a:rPr lang="en-US" smtClean="0"/>
-              <a:t>28-Feb-24</a:t>
+              <a:t>11/29/2024</a:t>
             </a:fld>
             <a:endParaRPr lang="en-US"/>
           </a:p>
@@ -2069,7 +2069,7 @@
           <a:p>
             <a:fld id="{3B2C538F-6F1B-4272-958C-05011A4A2A27}" type="datetimeFigureOut">
               <a:rPr lang="en-US" smtClean="0"/>
-              <a:t>28-Feb-24</a:t>
+              <a:t>11/29/2024</a:t>
             </a:fld>
             <a:endParaRPr lang="en-US"/>
           </a:p>
@@ -2462,7 +2462,7 @@
           <a:p>
             <a:fld id="{3B2C538F-6F1B-4272-958C-05011A4A2A27}" type="datetimeFigureOut">
               <a:rPr lang="en-US" smtClean="0"/>
-              <a:t>28-Feb-24</a:t>
+              <a:t>11/29/2024</a:t>
             </a:fld>
             <a:endParaRPr lang="en-US"/>
           </a:p>
@@ -2632,7 +2632,7 @@
           <a:p>
             <a:fld id="{3B2C538F-6F1B-4272-958C-05011A4A2A27}" type="datetimeFigureOut">
               <a:rPr lang="en-US" smtClean="0"/>
-              <a:t>28-Feb-24</a:t>
+              <a:t>11/29/2024</a:t>
             </a:fld>
             <a:endParaRPr lang="en-US"/>
           </a:p>
@@ -2812,7 +2812,7 @@
           <a:p>
             <a:fld id="{3B2C538F-6F1B-4272-958C-05011A4A2A27}" type="datetimeFigureOut">
               <a:rPr lang="en-US" smtClean="0"/>
-              <a:t>28-Feb-24</a:t>
+              <a:t>11/29/2024</a:t>
             </a:fld>
             <a:endParaRPr lang="en-US"/>
           </a:p>
@@ -2988,7 +2988,7 @@
           <a:p>
             <a:fld id="{3B2C538F-6F1B-4272-958C-05011A4A2A27}" type="datetimeFigureOut">
               <a:rPr lang="en-US" smtClean="0"/>
-              <a:t>28-Feb-24</a:t>
+              <a:t>11/29/2024</a:t>
             </a:fld>
             <a:endParaRPr lang="en-US"/>
           </a:p>
@@ -3235,7 +3235,7 @@
           <a:p>
             <a:fld id="{3B2C538F-6F1B-4272-958C-05011A4A2A27}" type="datetimeFigureOut">
               <a:rPr lang="en-US" smtClean="0"/>
-              <a:t>28-Feb-24</a:t>
+              <a:t>11/29/2024</a:t>
             </a:fld>
             <a:endParaRPr lang="en-US"/>
           </a:p>
@@ -3467,7 +3467,7 @@
           <a:p>
             <a:fld id="{3B2C538F-6F1B-4272-958C-05011A4A2A27}" type="datetimeFigureOut">
               <a:rPr lang="en-US" smtClean="0"/>
-              <a:t>28-Feb-24</a:t>
+              <a:t>11/29/2024</a:t>
             </a:fld>
             <a:endParaRPr lang="en-US"/>
           </a:p>
@@ -3841,7 +3841,7 @@
           <a:p>
             <a:fld id="{3B2C538F-6F1B-4272-958C-05011A4A2A27}" type="datetimeFigureOut">
               <a:rPr lang="en-US" smtClean="0"/>
-              <a:t>28-Feb-24</a:t>
+              <a:t>11/29/2024</a:t>
             </a:fld>
             <a:endParaRPr lang="en-US"/>
           </a:p>
@@ -3964,7 +3964,7 @@
           <a:p>
             <a:fld id="{3B2C538F-6F1B-4272-958C-05011A4A2A27}" type="datetimeFigureOut">
               <a:rPr lang="en-US" smtClean="0"/>
-              <a:t>28-Feb-24</a:t>
+              <a:t>11/29/2024</a:t>
             </a:fld>
             <a:endParaRPr lang="en-US"/>
           </a:p>
@@ -4059,7 +4059,7 @@
           <a:p>
             <a:fld id="{3B2C538F-6F1B-4272-958C-05011A4A2A27}" type="datetimeFigureOut">
               <a:rPr lang="en-US" smtClean="0"/>
-              <a:t>28-Feb-24</a:t>
+              <a:t>11/29/2024</a:t>
             </a:fld>
             <a:endParaRPr lang="en-US"/>
           </a:p>
@@ -4314,7 +4314,7 @@
           <a:p>
             <a:fld id="{3B2C538F-6F1B-4272-958C-05011A4A2A27}" type="datetimeFigureOut">
               <a:rPr lang="en-US" smtClean="0"/>
-              <a:t>28-Feb-24</a:t>
+              <a:t>11/29/2024</a:t>
             </a:fld>
             <a:endParaRPr lang="en-US"/>
           </a:p>
@@ -4577,7 +4577,7 @@
           <a:p>
             <a:fld id="{3B2C538F-6F1B-4272-958C-05011A4A2A27}" type="datetimeFigureOut">
               <a:rPr lang="en-US" smtClean="0"/>
-              <a:t>28-Feb-24</a:t>
+              <a:t>11/29/2024</a:t>
             </a:fld>
             <a:endParaRPr lang="en-US"/>
           </a:p>
@@ -5320,7 +5320,7 @@
           <a:p>
             <a:fld id="{3B2C538F-6F1B-4272-958C-05011A4A2A27}" type="datetimeFigureOut">
               <a:rPr lang="en-US" smtClean="0"/>
-              <a:t>28-Feb-24</a:t>
+              <a:t>11/29/2024</a:t>
             </a:fld>
             <a:endParaRPr lang="en-US"/>
           </a:p>
@@ -8051,7 +8051,7 @@
         <p:spPr>
           <a:xfrm>
             <a:off x="3759046" y="566519"/>
-            <a:ext cx="4206023" cy="4524315"/>
+            <a:ext cx="4420826" cy="4524315"/>
           </a:xfrm>
           <a:prstGeom prst="rect">
             <a:avLst/>
@@ -8072,7 +8072,7 @@
           <a:p>
             <a:r>
               <a:rPr lang="en-US" sz="3200" dirty="0"/>
-              <a:t>1.Varieble+Operators</a:t>
+              <a:t>1.Variable+Operators</a:t>
             </a:r>
           </a:p>
           <a:p>
@@ -8114,7 +8114,7 @@
           <a:p>
             <a:r>
               <a:rPr lang="en-US" sz="3200" dirty="0"/>
-              <a:t>8.Function(Recursion)</a:t>
+              <a:t>8.Function+(Recursion)</a:t>
             </a:r>
           </a:p>
         </p:txBody>
